--- a/CalendarioAgo21/Laboratorios/Laboratorio9/Lab9_Topologia.pptx
+++ b/CalendarioAgo21/Laboratorios/Laboratorio9/Lab9_Topologia.pptx
@@ -104,6 +104,11 @@
       </a:defRPr>
     </a:lvl9pPr>
   </p:defaultTextStyle>
+  <p:extLst>
+    <p:ext uri="{EFAFB233-063F-42B5-8137-9DF3F51BA10A}">
+      <p15:sldGuideLst xmlns:p15="http://schemas.microsoft.com/office/powerpoint/2012/main"/>
+    </p:ext>
+  </p:extLst>
 </p:presentation>
 </file>
 
@@ -256,7 +261,7 @@
           <a:p>
             <a:fld id="{CAB7C7A3-30B0-4B8D-9055-1CCD78C9F8D2}" type="datetimeFigureOut">
               <a:rPr lang="es-MX" smtClean="0"/>
-              <a:t>14/04/2021</a:t>
+              <a:t>06/10/2021</a:t>
             </a:fld>
             <a:endParaRPr lang="es-MX"/>
           </a:p>
@@ -456,7 +461,7 @@
           <a:p>
             <a:fld id="{CAB7C7A3-30B0-4B8D-9055-1CCD78C9F8D2}" type="datetimeFigureOut">
               <a:rPr lang="es-MX" smtClean="0"/>
-              <a:t>14/04/2021</a:t>
+              <a:t>06/10/2021</a:t>
             </a:fld>
             <a:endParaRPr lang="es-MX"/>
           </a:p>
@@ -666,7 +671,7 @@
           <a:p>
             <a:fld id="{CAB7C7A3-30B0-4B8D-9055-1CCD78C9F8D2}" type="datetimeFigureOut">
               <a:rPr lang="es-MX" smtClean="0"/>
-              <a:t>14/04/2021</a:t>
+              <a:t>06/10/2021</a:t>
             </a:fld>
             <a:endParaRPr lang="es-MX"/>
           </a:p>
@@ -866,7 +871,7 @@
           <a:p>
             <a:fld id="{CAB7C7A3-30B0-4B8D-9055-1CCD78C9F8D2}" type="datetimeFigureOut">
               <a:rPr lang="es-MX" smtClean="0"/>
-              <a:t>14/04/2021</a:t>
+              <a:t>06/10/2021</a:t>
             </a:fld>
             <a:endParaRPr lang="es-MX"/>
           </a:p>
@@ -1142,7 +1147,7 @@
           <a:p>
             <a:fld id="{CAB7C7A3-30B0-4B8D-9055-1CCD78C9F8D2}" type="datetimeFigureOut">
               <a:rPr lang="es-MX" smtClean="0"/>
-              <a:t>14/04/2021</a:t>
+              <a:t>06/10/2021</a:t>
             </a:fld>
             <a:endParaRPr lang="es-MX"/>
           </a:p>
@@ -1410,7 +1415,7 @@
           <a:p>
             <a:fld id="{CAB7C7A3-30B0-4B8D-9055-1CCD78C9F8D2}" type="datetimeFigureOut">
               <a:rPr lang="es-MX" smtClean="0"/>
-              <a:t>14/04/2021</a:t>
+              <a:t>06/10/2021</a:t>
             </a:fld>
             <a:endParaRPr lang="es-MX"/>
           </a:p>
@@ -1825,7 +1830,7 @@
           <a:p>
             <a:fld id="{CAB7C7A3-30B0-4B8D-9055-1CCD78C9F8D2}" type="datetimeFigureOut">
               <a:rPr lang="es-MX" smtClean="0"/>
-              <a:t>14/04/2021</a:t>
+              <a:t>06/10/2021</a:t>
             </a:fld>
             <a:endParaRPr lang="es-MX"/>
           </a:p>
@@ -1967,7 +1972,7 @@
           <a:p>
             <a:fld id="{CAB7C7A3-30B0-4B8D-9055-1CCD78C9F8D2}" type="datetimeFigureOut">
               <a:rPr lang="es-MX" smtClean="0"/>
-              <a:t>14/04/2021</a:t>
+              <a:t>06/10/2021</a:t>
             </a:fld>
             <a:endParaRPr lang="es-MX"/>
           </a:p>
@@ -2080,7 +2085,7 @@
           <a:p>
             <a:fld id="{CAB7C7A3-30B0-4B8D-9055-1CCD78C9F8D2}" type="datetimeFigureOut">
               <a:rPr lang="es-MX" smtClean="0"/>
-              <a:t>14/04/2021</a:t>
+              <a:t>06/10/2021</a:t>
             </a:fld>
             <a:endParaRPr lang="es-MX"/>
           </a:p>
@@ -2393,7 +2398,7 @@
           <a:p>
             <a:fld id="{CAB7C7A3-30B0-4B8D-9055-1CCD78C9F8D2}" type="datetimeFigureOut">
               <a:rPr lang="es-MX" smtClean="0"/>
-              <a:t>14/04/2021</a:t>
+              <a:t>06/10/2021</a:t>
             </a:fld>
             <a:endParaRPr lang="es-MX"/>
           </a:p>
@@ -2682,7 +2687,7 @@
           <a:p>
             <a:fld id="{CAB7C7A3-30B0-4B8D-9055-1CCD78C9F8D2}" type="datetimeFigureOut">
               <a:rPr lang="es-MX" smtClean="0"/>
-              <a:t>14/04/2021</a:t>
+              <a:t>06/10/2021</a:t>
             </a:fld>
             <a:endParaRPr lang="es-MX"/>
           </a:p>
@@ -2925,7 +2930,7 @@
           <a:p>
             <a:fld id="{CAB7C7A3-30B0-4B8D-9055-1CCD78C9F8D2}" type="datetimeFigureOut">
               <a:rPr lang="es-MX" smtClean="0"/>
-              <a:t>14/04/2021</a:t>
+              <a:t>06/10/2021</a:t>
             </a:fld>
             <a:endParaRPr lang="es-MX"/>
           </a:p>
@@ -3342,36 +3347,421 @@
           <a:chExt cx="0" cy="0"/>
         </a:xfrm>
       </p:grpSpPr>
-      <p:pic>
-        <p:nvPicPr>
-          <p:cNvPr id="4" name="Imagen 3">
-            <a:extLst>
-              <a:ext uri="{FF2B5EF4-FFF2-40B4-BE49-F238E27FC236}">
-                <a16:creationId xmlns:a16="http://schemas.microsoft.com/office/drawing/2014/main" id="{36635A5A-91AA-4344-BF70-A0B29C59D2B0}"/>
-              </a:ext>
-            </a:extLst>
-          </p:cNvPr>
-          <p:cNvPicPr>
-            <a:picLocks noChangeAspect="1"/>
-          </p:cNvPicPr>
+      <p:grpSp>
+        <p:nvGrpSpPr>
+          <p:cNvPr id="11" name="Grupo 10">
+            <a:extLst>
+              <a:ext uri="{FF2B5EF4-FFF2-40B4-BE49-F238E27FC236}">
+                <a16:creationId xmlns:a16="http://schemas.microsoft.com/office/drawing/2014/main" id="{01E17EA4-CE63-478B-80CB-471B86BE174E}"/>
+              </a:ext>
+            </a:extLst>
+          </p:cNvPr>
+          <p:cNvGrpSpPr/>
           <p:nvPr/>
-        </p:nvPicPr>
-        <p:blipFill>
-          <a:blip r:embed="rId2"/>
-          <a:stretch>
-            <a:fillRect/>
-          </a:stretch>
-        </p:blipFill>
-        <p:spPr>
+        </p:nvGrpSpPr>
+        <p:grpSpPr>
           <a:xfrm>
-            <a:off x="2011356" y="462400"/>
+            <a:off x="2012915" y="437058"/>
             <a:ext cx="7507407" cy="5784396"/>
+            <a:chOff x="2012915" y="437058"/>
+            <a:chExt cx="7507407" cy="5784396"/>
           </a:xfrm>
-          <a:prstGeom prst="rect">
-            <a:avLst/>
-          </a:prstGeom>
-        </p:spPr>
-      </p:pic>
+        </p:grpSpPr>
+        <p:pic>
+          <p:nvPicPr>
+            <p:cNvPr id="4" name="Imagen 3">
+              <a:extLst>
+                <a:ext uri="{FF2B5EF4-FFF2-40B4-BE49-F238E27FC236}">
+                  <a16:creationId xmlns:a16="http://schemas.microsoft.com/office/drawing/2014/main" id="{36635A5A-91AA-4344-BF70-A0B29C59D2B0}"/>
+                </a:ext>
+              </a:extLst>
+            </p:cNvPr>
+            <p:cNvPicPr>
+              <a:picLocks noChangeAspect="1"/>
+            </p:cNvPicPr>
+            <p:nvPr/>
+          </p:nvPicPr>
+          <p:blipFill>
+            <a:blip r:embed="rId2"/>
+            <a:stretch>
+              <a:fillRect/>
+            </a:stretch>
+          </p:blipFill>
+          <p:spPr>
+            <a:xfrm>
+              <a:off x="2012915" y="437058"/>
+              <a:ext cx="7507407" cy="5784396"/>
+            </a:xfrm>
+            <a:prstGeom prst="rect">
+              <a:avLst/>
+            </a:prstGeom>
+          </p:spPr>
+        </p:pic>
+        <p:sp>
+          <p:nvSpPr>
+            <p:cNvPr id="2" name="CuadroTexto 1">
+              <a:extLst>
+                <a:ext uri="{FF2B5EF4-FFF2-40B4-BE49-F238E27FC236}">
+                  <a16:creationId xmlns:a16="http://schemas.microsoft.com/office/drawing/2014/main" id="{52671EB4-CBD1-46E5-B758-26C95C3C1831}"/>
+                </a:ext>
+              </a:extLst>
+            </p:cNvPr>
+            <p:cNvSpPr txBox="1"/>
+            <p:nvPr/>
+          </p:nvSpPr>
+          <p:spPr>
+            <a:xfrm>
+              <a:off x="6096000" y="3485671"/>
+              <a:ext cx="1474839" cy="307777"/>
+            </a:xfrm>
+            <a:prstGeom prst="rect">
+              <a:avLst/>
+            </a:prstGeom>
+            <a:noFill/>
+          </p:spPr>
+          <p:txBody>
+            <a:bodyPr wrap="square" rtlCol="0">
+              <a:spAutoFit/>
+            </a:bodyPr>
+            <a:lstStyle/>
+            <a:p>
+              <a:r>
+                <a:rPr lang="es-ES" sz="1400" b="1" dirty="0">
+                  <a:solidFill>
+                    <a:schemeClr val="accent5">
+                      <a:lumMod val="75000"/>
+                    </a:schemeClr>
+                  </a:solidFill>
+                  <a:latin typeface="Arial" panose="020B0604020202020204" pitchFamily="34" charset="0"/>
+                  <a:cs typeface="Arial" panose="020B0604020202020204" pitchFamily="34" charset="0"/>
+                </a:rPr>
+                <a:t>192.168.30.1</a:t>
+              </a:r>
+              <a:endParaRPr lang="es-MX" sz="1400" b="1" dirty="0">
+                <a:solidFill>
+                  <a:schemeClr val="accent5">
+                    <a:lumMod val="75000"/>
+                  </a:schemeClr>
+                </a:solidFill>
+                <a:latin typeface="Arial" panose="020B0604020202020204" pitchFamily="34" charset="0"/>
+                <a:cs typeface="Arial" panose="020B0604020202020204" pitchFamily="34" charset="0"/>
+              </a:endParaRPr>
+            </a:p>
+          </p:txBody>
+        </p:sp>
+        <p:sp>
+          <p:nvSpPr>
+            <p:cNvPr id="5" name="CuadroTexto 4">
+              <a:extLst>
+                <a:ext uri="{FF2B5EF4-FFF2-40B4-BE49-F238E27FC236}">
+                  <a16:creationId xmlns:a16="http://schemas.microsoft.com/office/drawing/2014/main" id="{831B945B-43E5-49BE-A796-613911A24BC9}"/>
+                </a:ext>
+              </a:extLst>
+            </p:cNvPr>
+            <p:cNvSpPr txBox="1"/>
+            <p:nvPr/>
+          </p:nvSpPr>
+          <p:spPr>
+            <a:xfrm>
+              <a:off x="2299555" y="3175368"/>
+              <a:ext cx="1342102" cy="307777"/>
+            </a:xfrm>
+            <a:prstGeom prst="rect">
+              <a:avLst/>
+            </a:prstGeom>
+            <a:noFill/>
+          </p:spPr>
+          <p:txBody>
+            <a:bodyPr wrap="square" rtlCol="0">
+              <a:spAutoFit/>
+            </a:bodyPr>
+            <a:lstStyle/>
+            <a:p>
+              <a:r>
+                <a:rPr lang="es-ES" sz="1400" b="1" dirty="0">
+                  <a:solidFill>
+                    <a:schemeClr val="accent5">
+                      <a:lumMod val="75000"/>
+                    </a:schemeClr>
+                  </a:solidFill>
+                  <a:latin typeface="Arial" panose="020B0604020202020204" pitchFamily="34" charset="0"/>
+                  <a:cs typeface="Arial" panose="020B0604020202020204" pitchFamily="34" charset="0"/>
+                </a:rPr>
+                <a:t>192.168.20.1</a:t>
+              </a:r>
+              <a:endParaRPr lang="es-MX" sz="1400" b="1" dirty="0">
+                <a:solidFill>
+                  <a:schemeClr val="accent5">
+                    <a:lumMod val="75000"/>
+                  </a:schemeClr>
+                </a:solidFill>
+                <a:latin typeface="Arial" panose="020B0604020202020204" pitchFamily="34" charset="0"/>
+                <a:cs typeface="Arial" panose="020B0604020202020204" pitchFamily="34" charset="0"/>
+              </a:endParaRPr>
+            </a:p>
+          </p:txBody>
+        </p:sp>
+        <p:sp>
+          <p:nvSpPr>
+            <p:cNvPr id="6" name="CuadroTexto 5">
+              <a:extLst>
+                <a:ext uri="{FF2B5EF4-FFF2-40B4-BE49-F238E27FC236}">
+                  <a16:creationId xmlns:a16="http://schemas.microsoft.com/office/drawing/2014/main" id="{DA4CED73-E6E2-409C-BA02-8D224BFDC2FC}"/>
+                </a:ext>
+              </a:extLst>
+            </p:cNvPr>
+            <p:cNvSpPr txBox="1"/>
+            <p:nvPr/>
+          </p:nvSpPr>
+          <p:spPr>
+            <a:xfrm>
+              <a:off x="7988708" y="3175368"/>
+              <a:ext cx="1342102" cy="307777"/>
+            </a:xfrm>
+            <a:prstGeom prst="rect">
+              <a:avLst/>
+            </a:prstGeom>
+            <a:noFill/>
+          </p:spPr>
+          <p:txBody>
+            <a:bodyPr wrap="square" rtlCol="0">
+              <a:spAutoFit/>
+            </a:bodyPr>
+            <a:lstStyle/>
+            <a:p>
+              <a:r>
+                <a:rPr lang="es-ES" sz="1400" b="1" dirty="0">
+                  <a:solidFill>
+                    <a:schemeClr val="accent5">
+                      <a:lumMod val="75000"/>
+                    </a:schemeClr>
+                  </a:solidFill>
+                  <a:latin typeface="Arial" panose="020B0604020202020204" pitchFamily="34" charset="0"/>
+                  <a:cs typeface="Arial" panose="020B0604020202020204" pitchFamily="34" charset="0"/>
+                </a:rPr>
+                <a:t>192.168.40.1</a:t>
+              </a:r>
+              <a:endParaRPr lang="es-MX" sz="1400" b="1" dirty="0">
+                <a:solidFill>
+                  <a:schemeClr val="accent5">
+                    <a:lumMod val="75000"/>
+                  </a:schemeClr>
+                </a:solidFill>
+                <a:latin typeface="Arial" panose="020B0604020202020204" pitchFamily="34" charset="0"/>
+                <a:cs typeface="Arial" panose="020B0604020202020204" pitchFamily="34" charset="0"/>
+              </a:endParaRPr>
+            </a:p>
+          </p:txBody>
+        </p:sp>
+        <p:sp>
+          <p:nvSpPr>
+            <p:cNvPr id="7" name="CuadroTexto 6">
+              <a:extLst>
+                <a:ext uri="{FF2B5EF4-FFF2-40B4-BE49-F238E27FC236}">
+                  <a16:creationId xmlns:a16="http://schemas.microsoft.com/office/drawing/2014/main" id="{D0DF8BA5-72B1-44C4-B089-1B30E081DEEA}"/>
+                </a:ext>
+              </a:extLst>
+            </p:cNvPr>
+            <p:cNvSpPr txBox="1"/>
+            <p:nvPr/>
+          </p:nvSpPr>
+          <p:spPr>
+            <a:xfrm>
+              <a:off x="4566660" y="2730062"/>
+              <a:ext cx="1002890" cy="307777"/>
+            </a:xfrm>
+            <a:prstGeom prst="rect">
+              <a:avLst/>
+            </a:prstGeom>
+            <a:noFill/>
+          </p:spPr>
+          <p:txBody>
+            <a:bodyPr wrap="square" rtlCol="0">
+              <a:spAutoFit/>
+            </a:bodyPr>
+            <a:lstStyle/>
+            <a:p>
+              <a:r>
+                <a:rPr lang="es-ES" sz="1400" b="1" dirty="0">
+                  <a:solidFill>
+                    <a:schemeClr val="accent5">
+                      <a:lumMod val="75000"/>
+                    </a:schemeClr>
+                  </a:solidFill>
+                  <a:latin typeface="Arial" panose="020B0604020202020204" pitchFamily="34" charset="0"/>
+                  <a:cs typeface="Arial" panose="020B0604020202020204" pitchFamily="34" charset="0"/>
+                </a:rPr>
+                <a:t>10.1.1.1</a:t>
+              </a:r>
+              <a:endParaRPr lang="es-MX" sz="1400" b="1" dirty="0">
+                <a:solidFill>
+                  <a:schemeClr val="accent5">
+                    <a:lumMod val="75000"/>
+                  </a:schemeClr>
+                </a:solidFill>
+                <a:latin typeface="Arial" panose="020B0604020202020204" pitchFamily="34" charset="0"/>
+                <a:cs typeface="Arial" panose="020B0604020202020204" pitchFamily="34" charset="0"/>
+              </a:endParaRPr>
+            </a:p>
+          </p:txBody>
+        </p:sp>
+        <p:sp>
+          <p:nvSpPr>
+            <p:cNvPr id="8" name="CuadroTexto 7">
+              <a:extLst>
+                <a:ext uri="{FF2B5EF4-FFF2-40B4-BE49-F238E27FC236}">
+                  <a16:creationId xmlns:a16="http://schemas.microsoft.com/office/drawing/2014/main" id="{3E1A8BD2-E431-4A69-AAE4-C331F1A3ED70}"/>
+                </a:ext>
+              </a:extLst>
+            </p:cNvPr>
+            <p:cNvSpPr txBox="1"/>
+            <p:nvPr/>
+          </p:nvSpPr>
+          <p:spPr>
+            <a:xfrm>
+              <a:off x="2555370" y="5345379"/>
+              <a:ext cx="1474839" cy="307777"/>
+            </a:xfrm>
+            <a:prstGeom prst="rect">
+              <a:avLst/>
+            </a:prstGeom>
+            <a:noFill/>
+          </p:spPr>
+          <p:txBody>
+            <a:bodyPr wrap="square" rtlCol="0">
+              <a:spAutoFit/>
+            </a:bodyPr>
+            <a:lstStyle/>
+            <a:p>
+              <a:r>
+                <a:rPr lang="es-ES" sz="1400" b="1" dirty="0">
+                  <a:solidFill>
+                    <a:schemeClr val="accent5">
+                      <a:lumMod val="75000"/>
+                    </a:schemeClr>
+                  </a:solidFill>
+                  <a:latin typeface="Arial" panose="020B0604020202020204" pitchFamily="34" charset="0"/>
+                  <a:cs typeface="Arial" panose="020B0604020202020204" pitchFamily="34" charset="0"/>
+                </a:rPr>
+                <a:t>192.168.10.3</a:t>
+              </a:r>
+              <a:endParaRPr lang="es-MX" sz="1400" b="1" dirty="0">
+                <a:solidFill>
+                  <a:schemeClr val="accent5">
+                    <a:lumMod val="75000"/>
+                  </a:schemeClr>
+                </a:solidFill>
+                <a:latin typeface="Arial" panose="020B0604020202020204" pitchFamily="34" charset="0"/>
+                <a:cs typeface="Arial" panose="020B0604020202020204" pitchFamily="34" charset="0"/>
+              </a:endParaRPr>
+            </a:p>
+          </p:txBody>
+        </p:sp>
+        <p:sp>
+          <p:nvSpPr>
+            <p:cNvPr id="9" name="CuadroTexto 8">
+              <a:extLst>
+                <a:ext uri="{FF2B5EF4-FFF2-40B4-BE49-F238E27FC236}">
+                  <a16:creationId xmlns:a16="http://schemas.microsoft.com/office/drawing/2014/main" id="{F589D4B6-72E3-4889-9454-519DBDB049AD}"/>
+                </a:ext>
+              </a:extLst>
+            </p:cNvPr>
+            <p:cNvSpPr txBox="1"/>
+            <p:nvPr/>
+          </p:nvSpPr>
+          <p:spPr>
+            <a:xfrm>
+              <a:off x="7747055" y="5354130"/>
+              <a:ext cx="1474839" cy="307777"/>
+            </a:xfrm>
+            <a:prstGeom prst="rect">
+              <a:avLst/>
+            </a:prstGeom>
+            <a:noFill/>
+          </p:spPr>
+          <p:txBody>
+            <a:bodyPr wrap="square" rtlCol="0">
+              <a:spAutoFit/>
+            </a:bodyPr>
+            <a:lstStyle/>
+            <a:p>
+              <a:r>
+                <a:rPr lang="es-ES" sz="1400" b="1" dirty="0">
+                  <a:solidFill>
+                    <a:schemeClr val="accent5">
+                      <a:lumMod val="75000"/>
+                    </a:schemeClr>
+                  </a:solidFill>
+                  <a:latin typeface="Arial" panose="020B0604020202020204" pitchFamily="34" charset="0"/>
+                  <a:cs typeface="Arial" panose="020B0604020202020204" pitchFamily="34" charset="0"/>
+                </a:rPr>
+                <a:t>192.168.30.3</a:t>
+              </a:r>
+              <a:endParaRPr lang="es-MX" sz="1400" b="1" dirty="0">
+                <a:solidFill>
+                  <a:schemeClr val="accent5">
+                    <a:lumMod val="75000"/>
+                  </a:schemeClr>
+                </a:solidFill>
+                <a:latin typeface="Arial" panose="020B0604020202020204" pitchFamily="34" charset="0"/>
+                <a:cs typeface="Arial" panose="020B0604020202020204" pitchFamily="34" charset="0"/>
+              </a:endParaRPr>
+            </a:p>
+          </p:txBody>
+        </p:sp>
+        <p:sp>
+          <p:nvSpPr>
+            <p:cNvPr id="10" name="CuadroTexto 9">
+              <a:extLst>
+                <a:ext uri="{FF2B5EF4-FFF2-40B4-BE49-F238E27FC236}">
+                  <a16:creationId xmlns:a16="http://schemas.microsoft.com/office/drawing/2014/main" id="{1D10E497-E2F6-4438-8021-28BB1746C18E}"/>
+                </a:ext>
+              </a:extLst>
+            </p:cNvPr>
+            <p:cNvSpPr txBox="1"/>
+            <p:nvPr/>
+          </p:nvSpPr>
+          <p:spPr>
+            <a:xfrm>
+              <a:off x="5840359" y="1082943"/>
+              <a:ext cx="1804221" cy="307777"/>
+            </a:xfrm>
+            <a:prstGeom prst="rect">
+              <a:avLst/>
+            </a:prstGeom>
+            <a:noFill/>
+          </p:spPr>
+          <p:txBody>
+            <a:bodyPr wrap="square" rtlCol="0">
+              <a:spAutoFit/>
+            </a:bodyPr>
+            <a:lstStyle/>
+            <a:p>
+              <a:r>
+                <a:rPr lang="es-ES" sz="1400" b="1" dirty="0">
+                  <a:solidFill>
+                    <a:schemeClr val="accent5">
+                      <a:lumMod val="75000"/>
+                    </a:schemeClr>
+                  </a:solidFill>
+                  <a:latin typeface="Arial" panose="020B0604020202020204" pitchFamily="34" charset="0"/>
+                  <a:cs typeface="Arial" panose="020B0604020202020204" pitchFamily="34" charset="0"/>
+                </a:rPr>
+                <a:t>209.165.200.225</a:t>
+              </a:r>
+              <a:endParaRPr lang="es-MX" sz="1400" b="1" dirty="0">
+                <a:solidFill>
+                  <a:schemeClr val="accent5">
+                    <a:lumMod val="75000"/>
+                  </a:schemeClr>
+                </a:solidFill>
+                <a:latin typeface="Arial" panose="020B0604020202020204" pitchFamily="34" charset="0"/>
+                <a:cs typeface="Arial" panose="020B0604020202020204" pitchFamily="34" charset="0"/>
+              </a:endParaRPr>
+            </a:p>
+          </p:txBody>
+        </p:sp>
+      </p:grpSp>
     </p:spTree>
     <p:extLst>
       <p:ext uri="{BB962C8B-B14F-4D97-AF65-F5344CB8AC3E}">
